--- a/P7_ILBOIN_MPLEMENTEZ MODELE CREDIT SCORING.pptx
+++ b/P7_ILBOIN_MPLEMENTEZ MODELE CREDIT SCORING.pptx
@@ -33,7 +33,7 @@
     <p:sldId id="366" r:id="rId24"/>
   </p:sldIdLst>
   <p:sldSz cx="12192000" cy="6858000"/>
-  <p:notesSz cx="6888163" cy="10018713"/>
+  <p:notesSz cx="6889750" cy="10018713"/>
   <p:defaultTextStyle>
     <a:defPPr>
       <a:defRPr lang="en-US"/>
@@ -172,7 +172,7 @@
         <p:spPr>
           <a:xfrm>
             <a:off x="0" y="0"/>
-            <a:ext cx="2984500" cy="501650"/>
+            <a:ext cx="2985188" cy="501650"/>
           </a:xfrm>
           <a:prstGeom prst="rect">
             <a:avLst/>
@@ -202,8 +202,8 @@
         </p:nvSpPr>
         <p:spPr>
           <a:xfrm>
-            <a:off x="3902075" y="0"/>
-            <a:ext cx="2984500" cy="501650"/>
+            <a:off x="3902974" y="0"/>
+            <a:ext cx="2985188" cy="501650"/>
           </a:xfrm>
           <a:prstGeom prst="rect">
             <a:avLst/>
@@ -219,7 +219,7 @@
           <a:p>
             <a:fld id="{1BA53F3A-C63A-4BF4-8CAA-771AEA5FEE0D}" type="datetimeFigureOut">
               <a:rPr lang="fr-FR" smtClean="0"/>
-              <a:t>05/01/2022</a:t>
+              <a:t>06/01/2022</a:t>
             </a:fld>
             <a:endParaRPr lang="fr-FR"/>
           </a:p>
@@ -238,7 +238,7 @@
         <p:spPr>
           <a:xfrm>
             <a:off x="439738" y="1252538"/>
-            <a:ext cx="6008687" cy="3381375"/>
+            <a:ext cx="6010275" cy="3381375"/>
           </a:xfrm>
           <a:prstGeom prst="rect">
             <a:avLst/>
@@ -270,8 +270,8 @@
         </p:nvSpPr>
         <p:spPr>
           <a:xfrm>
-            <a:off x="688975" y="4821238"/>
-            <a:ext cx="5510213" cy="3944937"/>
+            <a:off x="689134" y="4821239"/>
+            <a:ext cx="5511483" cy="3944937"/>
           </a:xfrm>
           <a:prstGeom prst="rect">
             <a:avLst/>
@@ -330,7 +330,7 @@
         <p:spPr>
           <a:xfrm>
             <a:off x="0" y="9517063"/>
-            <a:ext cx="2984500" cy="501650"/>
+            <a:ext cx="2985188" cy="501650"/>
           </a:xfrm>
           <a:prstGeom prst="rect">
             <a:avLst/>
@@ -360,8 +360,8 @@
         </p:nvSpPr>
         <p:spPr>
           <a:xfrm>
-            <a:off x="3902075" y="9517063"/>
-            <a:ext cx="2984500" cy="501650"/>
+            <a:off x="3902974" y="9517063"/>
+            <a:ext cx="2985188" cy="501650"/>
           </a:xfrm>
           <a:prstGeom prst="rect">
             <a:avLst/>
@@ -2517,7 +2517,7 @@
           <a:p>
             <a:fld id="{F7AFFB9B-9FB8-469E-96F9-4D32314110B6}" type="datetimeFigureOut">
               <a:rPr lang="en-US" dirty="0"/>
-              <a:t>1/5/2022</a:t>
+              <a:t>1/6/2022</a:t>
             </a:fld>
             <a:endParaRPr lang="en-US" dirty="0"/>
           </a:p>
@@ -2865,7 +2865,7 @@
             <a:fld id="{3EC5CECA-2D3A-4680-9B49-752200DE467C}" type="datetimeFigureOut">
               <a:rPr lang="en-US" smtClean="0"/>
               <a:pPr/>
-              <a:t>1/5/2022</a:t>
+              <a:t>1/6/2022</a:t>
             </a:fld>
             <a:endParaRPr lang="en-US" dirty="0"/>
           </a:p>
@@ -3127,7 +3127,7 @@
             <a:fld id="{3EC5CECA-2D3A-4680-9B49-752200DE467C}" type="datetimeFigureOut">
               <a:rPr lang="en-US" smtClean="0"/>
               <a:pPr/>
-              <a:t>1/5/2022</a:t>
+              <a:t>1/6/2022</a:t>
             </a:fld>
             <a:endParaRPr lang="en-US" dirty="0"/>
           </a:p>
@@ -3695,7 +3695,7 @@
             <a:fld id="{3EC5CECA-2D3A-4680-9B49-752200DE467C}" type="datetimeFigureOut">
               <a:rPr lang="en-US" smtClean="0"/>
               <a:pPr/>
-              <a:t>1/5/2022</a:t>
+              <a:t>1/6/2022</a:t>
             </a:fld>
             <a:endParaRPr lang="en-US" dirty="0"/>
           </a:p>
@@ -3957,7 +3957,7 @@
             <a:fld id="{3EC5CECA-2D3A-4680-9B49-752200DE467C}" type="datetimeFigureOut">
               <a:rPr lang="en-US" smtClean="0"/>
               <a:pPr/>
-              <a:t>1/5/2022</a:t>
+              <a:t>1/6/2022</a:t>
             </a:fld>
             <a:endParaRPr lang="en-US" dirty="0"/>
           </a:p>
@@ -4573,7 +4573,7 @@
             <a:fld id="{3EC5CECA-2D3A-4680-9B49-752200DE467C}" type="datetimeFigureOut">
               <a:rPr lang="en-US" smtClean="0"/>
               <a:pPr/>
-              <a:t>1/5/2022</a:t>
+              <a:t>1/6/2022</a:t>
             </a:fld>
             <a:endParaRPr lang="en-US" dirty="0"/>
           </a:p>
@@ -5429,7 +5429,7 @@
             <a:fld id="{3EC5CECA-2D3A-4680-9B49-752200DE467C}" type="datetimeFigureOut">
               <a:rPr lang="en-US" smtClean="0"/>
               <a:pPr/>
-              <a:t>1/5/2022</a:t>
+              <a:t>1/6/2022</a:t>
             </a:fld>
             <a:endParaRPr lang="en-US" dirty="0"/>
           </a:p>
@@ -5674,7 +5674,7 @@
             <a:fld id="{3EC5CECA-2D3A-4680-9B49-752200DE467C}" type="datetimeFigureOut">
               <a:rPr lang="en-US" smtClean="0"/>
               <a:pPr/>
-              <a:t>1/5/2022</a:t>
+              <a:t>1/6/2022</a:t>
             </a:fld>
             <a:endParaRPr lang="en-US" dirty="0"/>
           </a:p>
@@ -5924,7 +5924,7 @@
             <a:fld id="{3EC5CECA-2D3A-4680-9B49-752200DE467C}" type="datetimeFigureOut">
               <a:rPr lang="en-US" smtClean="0"/>
               <a:pPr/>
-              <a:t>1/5/2022</a:t>
+              <a:t>1/6/2022</a:t>
             </a:fld>
             <a:endParaRPr lang="en-US" dirty="0"/>
           </a:p>
@@ -6165,7 +6165,7 @@
             <a:fld id="{3EC5CECA-2D3A-4680-9B49-752200DE467C}" type="datetimeFigureOut">
               <a:rPr lang="en-US" smtClean="0"/>
               <a:pPr/>
-              <a:t>1/5/2022</a:t>
+              <a:t>1/6/2022</a:t>
             </a:fld>
             <a:endParaRPr lang="en-US" dirty="0"/>
           </a:p>
@@ -6481,7 +6481,7 @@
             <a:fld id="{3EC5CECA-2D3A-4680-9B49-752200DE467C}" type="datetimeFigureOut">
               <a:rPr lang="en-US" smtClean="0"/>
               <a:pPr/>
-              <a:t>1/5/2022</a:t>
+              <a:t>1/6/2022</a:t>
             </a:fld>
             <a:endParaRPr lang="en-US" dirty="0"/>
           </a:p>
@@ -6784,7 +6784,7 @@
             <a:fld id="{3EC5CECA-2D3A-4680-9B49-752200DE467C}" type="datetimeFigureOut">
               <a:rPr lang="en-US" smtClean="0"/>
               <a:pPr/>
-              <a:t>1/5/2022</a:t>
+              <a:t>1/6/2022</a:t>
             </a:fld>
             <a:endParaRPr lang="en-US" dirty="0"/>
           </a:p>
@@ -7235,7 +7235,7 @@
             <a:fld id="{3EC5CECA-2D3A-4680-9B49-752200DE467C}" type="datetimeFigureOut">
               <a:rPr lang="en-US" smtClean="0"/>
               <a:pPr/>
-              <a:t>1/5/2022</a:t>
+              <a:t>1/6/2022</a:t>
             </a:fld>
             <a:endParaRPr lang="en-US" dirty="0"/>
           </a:p>
@@ -7419,7 +7419,7 @@
             <a:fld id="{3EC5CECA-2D3A-4680-9B49-752200DE467C}" type="datetimeFigureOut">
               <a:rPr lang="en-US" smtClean="0"/>
               <a:pPr/>
-              <a:t>1/5/2022</a:t>
+              <a:t>1/6/2022</a:t>
             </a:fld>
             <a:endParaRPr lang="en-US" dirty="0"/>
           </a:p>
@@ -7569,7 +7569,7 @@
             <a:fld id="{3EC5CECA-2D3A-4680-9B49-752200DE467C}" type="datetimeFigureOut">
               <a:rPr lang="en-US" smtClean="0"/>
               <a:pPr/>
-              <a:t>1/5/2022</a:t>
+              <a:t>1/6/2022</a:t>
             </a:fld>
             <a:endParaRPr lang="en-US" dirty="0"/>
           </a:p>
@@ -7866,7 +7866,7 @@
             <a:fld id="{3EC5CECA-2D3A-4680-9B49-752200DE467C}" type="datetimeFigureOut">
               <a:rPr lang="en-US" smtClean="0"/>
               <a:pPr/>
-              <a:t>1/5/2022</a:t>
+              <a:t>1/6/2022</a:t>
             </a:fld>
             <a:endParaRPr lang="en-US" dirty="0"/>
           </a:p>
@@ -8201,7 +8201,7 @@
             <a:fld id="{3EC5CECA-2D3A-4680-9B49-752200DE467C}" type="datetimeFigureOut">
               <a:rPr lang="en-US" smtClean="0"/>
               <a:pPr/>
-              <a:t>1/5/2022</a:t>
+              <a:t>1/6/2022</a:t>
             </a:fld>
             <a:endParaRPr lang="en-US" dirty="0"/>
           </a:p>
@@ -8650,7 +8650,7 @@
           <a:p>
             <a:fld id="{C35BB1C6-BF8F-4481-8AB2-603A1C8A906A}" type="datetimeFigureOut">
               <a:rPr lang="en-US" dirty="0"/>
-              <a:t>1/5/2022</a:t>
+              <a:t>1/6/2022</a:t>
             </a:fld>
             <a:endParaRPr lang="en-US" dirty="0"/>
           </a:p>
@@ -11433,17 +11433,10 @@
               </a:spcAft>
             </a:pPr>
             <a:r>
-              <a:rPr lang="en-US" sz="2700" dirty="0"/>
-              <a:t>8- </a:t>
-            </a:r>
-            <a:r>
-              <a:rPr lang="en-US" sz="2700" dirty="0" err="1"/>
-              <a:t>interpretabilite</a:t>
-            </a:r>
-            <a:r>
-              <a:rPr lang="en-US" sz="2700" dirty="0"/>
-              <a:t> – importance des features</a:t>
-            </a:r>
+              <a:rPr lang="en-US" sz="2700"/>
+              <a:t>8- interpretabilite – importance des features</a:t>
+            </a:r>
+            <a:endParaRPr lang="en-US" sz="2700" dirty="0"/>
           </a:p>
         </p:txBody>
       </p:sp>
@@ -11482,9 +11475,10 @@
           </a:lstStyle>
           <a:p>
             <a:r>
-              <a:rPr lang="en-US" sz="2700" dirty="0"/>
+              <a:rPr lang="en-US" sz="2700"/>
               <a:t>DECEMBRE 2021</a:t>
             </a:r>
+            <a:endParaRPr lang="en-US" sz="2700" dirty="0"/>
           </a:p>
         </p:txBody>
       </p:sp>
@@ -11510,7 +11504,7 @@
         </p:blipFill>
         <p:spPr>
           <a:xfrm>
-            <a:off x="1137693" y="843220"/>
+            <a:off x="1382260" y="2066823"/>
             <a:ext cx="10206048" cy="3410728"/>
           </a:xfrm>
           <a:prstGeom prst="rect">
@@ -12266,6 +12260,195 @@
           <a:prstGeom prst="rect">
             <a:avLst/>
           </a:prstGeom>
+        </p:spPr>
+      </p:pic>
+      <p:sp>
+        <p:nvSpPr>
+          <p:cNvPr id="20" name="ZoneTexte 19">
+            <a:extLst>
+              <a:ext uri="{FF2B5EF4-FFF2-40B4-BE49-F238E27FC236}">
+                <a16:creationId xmlns:a16="http://schemas.microsoft.com/office/drawing/2014/main" id="{B2A1D28F-6989-44E0-AFF3-C12A25C20CB4}"/>
+              </a:ext>
+            </a:extLst>
+          </p:cNvPr>
+          <p:cNvSpPr txBox="1"/>
+          <p:nvPr/>
+        </p:nvSpPr>
+        <p:spPr>
+          <a:xfrm>
+            <a:off x="970613" y="4895506"/>
+            <a:ext cx="3026681" cy="307777"/>
+          </a:xfrm>
+          <a:prstGeom prst="rect">
+            <a:avLst/>
+          </a:prstGeom>
+          <a:noFill/>
+        </p:spPr>
+        <p:txBody>
+          <a:bodyPr wrap="square">
+            <a:spAutoFit/>
+          </a:bodyPr>
+          <a:lstStyle/>
+          <a:p>
+            <a:r>
+              <a:rPr lang="fr-FR" sz="1400" b="1" i="0" dirty="0">
+                <a:solidFill>
+                  <a:srgbClr val="FF0000"/>
+                </a:solidFill>
+                <a:effectLst/>
+                <a:latin typeface="-apple-system"/>
+              </a:rPr>
+              <a:t>L</a:t>
+            </a:r>
+            <a:r>
+              <a:rPr lang="fr-FR" sz="1100" b="0" i="0" dirty="0">
+                <a:solidFill>
+                  <a:srgbClr val="3A3A3A"/>
+                </a:solidFill>
+                <a:effectLst/>
+                <a:latin typeface="-apple-system"/>
+              </a:rPr>
+              <a:t>ocal </a:t>
+            </a:r>
+            <a:r>
+              <a:rPr lang="fr-FR" sz="1400" b="1" i="0" dirty="0" err="1">
+                <a:solidFill>
+                  <a:srgbClr val="FF0000"/>
+                </a:solidFill>
+                <a:effectLst/>
+                <a:latin typeface="-apple-system"/>
+              </a:rPr>
+              <a:t>I</a:t>
+            </a:r>
+            <a:r>
+              <a:rPr lang="fr-FR" sz="1100" b="0" i="0" dirty="0" err="1">
+                <a:solidFill>
+                  <a:srgbClr val="3A3A3A"/>
+                </a:solidFill>
+                <a:effectLst/>
+                <a:latin typeface="-apple-system"/>
+              </a:rPr>
+              <a:t>nterpretable</a:t>
+            </a:r>
+            <a:r>
+              <a:rPr lang="fr-FR" sz="1100" b="0" i="0" dirty="0">
+                <a:solidFill>
+                  <a:srgbClr val="3A3A3A"/>
+                </a:solidFill>
+                <a:effectLst/>
+                <a:latin typeface="-apple-system"/>
+              </a:rPr>
+              <a:t> </a:t>
+            </a:r>
+            <a:r>
+              <a:rPr lang="fr-FR" sz="1400" b="1" i="0" dirty="0">
+                <a:solidFill>
+                  <a:srgbClr val="FF0000"/>
+                </a:solidFill>
+                <a:effectLst/>
+                <a:latin typeface="-apple-system"/>
+              </a:rPr>
+              <a:t>M</a:t>
+            </a:r>
+            <a:r>
+              <a:rPr lang="fr-FR" sz="1100" b="0" i="0" dirty="0">
+                <a:solidFill>
+                  <a:srgbClr val="3A3A3A"/>
+                </a:solidFill>
+                <a:effectLst/>
+                <a:latin typeface="-apple-system"/>
+              </a:rPr>
+              <a:t>odel-</a:t>
+            </a:r>
+            <a:r>
+              <a:rPr lang="fr-FR" sz="1100" b="0" i="0" dirty="0" err="1">
+                <a:solidFill>
+                  <a:srgbClr val="3A3A3A"/>
+                </a:solidFill>
+                <a:effectLst/>
+                <a:latin typeface="-apple-system"/>
+              </a:rPr>
+              <a:t>Agnostic</a:t>
+            </a:r>
+            <a:r>
+              <a:rPr lang="fr-FR" sz="1100" b="0" i="0" dirty="0">
+                <a:solidFill>
+                  <a:srgbClr val="3A3A3A"/>
+                </a:solidFill>
+                <a:effectLst/>
+                <a:latin typeface="-apple-system"/>
+              </a:rPr>
+              <a:t> </a:t>
+            </a:r>
+            <a:r>
+              <a:rPr lang="fr-FR" sz="1400" b="1" i="0" dirty="0" err="1">
+                <a:solidFill>
+                  <a:srgbClr val="FF0000"/>
+                </a:solidFill>
+                <a:effectLst/>
+                <a:latin typeface="-apple-system"/>
+              </a:rPr>
+              <a:t>E</a:t>
+            </a:r>
+            <a:r>
+              <a:rPr lang="fr-FR" sz="1100" b="0" i="0" dirty="0" err="1">
+                <a:solidFill>
+                  <a:srgbClr val="3A3A3A"/>
+                </a:solidFill>
+                <a:effectLst/>
+                <a:latin typeface="-apple-system"/>
+              </a:rPr>
+              <a:t>xplanations</a:t>
+            </a:r>
+            <a:endParaRPr lang="fr-FR" sz="1100" dirty="0"/>
+          </a:p>
+        </p:txBody>
+      </p:sp>
+      <p:pic>
+        <p:nvPicPr>
+          <p:cNvPr id="22" name="Picture 4" descr="LIME | Machine Learning Model Interpretability using LIME in R">
+            <a:extLst>
+              <a:ext uri="{FF2B5EF4-FFF2-40B4-BE49-F238E27FC236}">
+                <a16:creationId xmlns:a16="http://schemas.microsoft.com/office/drawing/2014/main" id="{678D8ED5-C6BF-42CF-A1EF-46EAB2D615AA}"/>
+              </a:ext>
+            </a:extLst>
+          </p:cNvPr>
+          <p:cNvPicPr>
+            <a:picLocks noChangeAspect="1" noChangeArrowheads="1"/>
+          </p:cNvPicPr>
+          <p:nvPr/>
+        </p:nvPicPr>
+        <p:blipFill>
+          <a:blip r:embed="rId8">
+            <a:extLst>
+              <a:ext uri="{28A0092B-C50C-407E-A947-70E740481C1C}">
+                <a14:useLocalDpi xmlns:a14="http://schemas.microsoft.com/office/drawing/2010/main" val="0"/>
+              </a:ext>
+            </a:extLst>
+          </a:blip>
+          <a:srcRect/>
+          <a:stretch>
+            <a:fillRect/>
+          </a:stretch>
+        </p:blipFill>
+        <p:spPr bwMode="auto">
+          <a:xfrm>
+            <a:off x="254249" y="4692777"/>
+            <a:ext cx="672177" cy="672177"/>
+          </a:xfrm>
+          <a:prstGeom prst="rect">
+            <a:avLst/>
+          </a:prstGeom>
+          <a:noFill/>
+          <a:extLst>
+            <a:ext uri="{909E8E84-426E-40DD-AFC4-6F175D3DCCD1}">
+              <a14:hiddenFill xmlns:a14="http://schemas.microsoft.com/office/drawing/2010/main">
+                <a:solidFill>
+                  <a:srgbClr val="FFFFFF"/>
+                </a:solidFill>
+              </a14:hiddenFill>
+            </a:ext>
+          </a:extLst>
         </p:spPr>
       </p:pic>
     </p:spTree>
